--- a/4_Presentation/Bakery_sales_predictions.pptx
+++ b/4_Presentation/Bakery_sales_predictions.pptx
@@ -518,182 +518,7 @@
           <a:bodyPr/>
           <a:lstStyle/>
           <a:p>
-            <a:pPr algn="l" fontAlgn="base">
-              <a:buFont typeface="+mj-lt"/>
-              <a:buAutoNum type="arabicPeriod"/>
-            </a:pPr>
-            <a:r>
-              <a:rPr lang="en-GB" b="1" i="0" dirty="0">
-                <a:solidFill>
-                  <a:srgbClr val="FFFFFF"/>
-                </a:solidFill>
-                <a:effectLst/>
-                <a:latin typeface="var(--sds-font-family-01)"/>
-              </a:rPr>
-              <a:t>LSTM</a:t>
-            </a:r>
-            <a:r>
-              <a:rPr lang="en-GB" b="0" i="0" dirty="0">
-                <a:solidFill>
-                  <a:srgbClr val="FFFFFF"/>
-                </a:solidFill>
-                <a:effectLst/>
-                <a:latin typeface="var(--sds-font-family-01)"/>
-              </a:rPr>
-              <a:t>(128, activation='</a:t>
-            </a:r>
-            <a:r>
-              <a:rPr lang="en-GB" b="0" i="0" dirty="0" err="1">
-                <a:solidFill>
-                  <a:srgbClr val="FFFFFF"/>
-                </a:solidFill>
-                <a:effectLst/>
-                <a:latin typeface="var(--sds-font-family-01)"/>
-              </a:rPr>
-              <a:t>relu</a:t>
-            </a:r>
-            <a:r>
-              <a:rPr lang="en-GB" b="0" i="0" dirty="0">
-                <a:solidFill>
-                  <a:srgbClr val="FFFFFF"/>
-                </a:solidFill>
-                <a:effectLst/>
-                <a:latin typeface="var(--sds-font-family-01)"/>
-              </a:rPr>
-              <a:t>', </a:t>
-            </a:r>
-            <a:r>
-              <a:rPr lang="en-GB" b="0" i="0" dirty="0" err="1">
-                <a:solidFill>
-                  <a:srgbClr val="FFFFFF"/>
-                </a:solidFill>
-                <a:effectLst/>
-                <a:latin typeface="var(--sds-font-family-01)"/>
-              </a:rPr>
-              <a:t>input_shape</a:t>
-            </a:r>
-            <a:r>
-              <a:rPr lang="en-GB" b="0" i="0" dirty="0">
-                <a:solidFill>
-                  <a:srgbClr val="FFFFFF"/>
-                </a:solidFill>
-                <a:effectLst/>
-                <a:latin typeface="var(--sds-font-family-01)"/>
-              </a:rPr>
-              <a:t>=(1, </a:t>
-            </a:r>
-            <a:r>
-              <a:rPr lang="en-GB" b="0" i="0" dirty="0" err="1">
-                <a:solidFill>
-                  <a:srgbClr val="FFFFFF"/>
-                </a:solidFill>
-                <a:effectLst/>
-                <a:latin typeface="var(--sds-font-family-01)"/>
-              </a:rPr>
-              <a:t>X_train_seq.shape</a:t>
-            </a:r>
-            <a:r>
-              <a:rPr lang="en-GB" b="0" i="0" dirty="0">
-                <a:solidFill>
-                  <a:srgbClr val="FFFFFF"/>
-                </a:solidFill>
-                <a:effectLst/>
-                <a:latin typeface="var(--sds-font-family-01)"/>
-              </a:rPr>
-              <a:t>[2])): This defines the first layer, which is a Long Short-Term Memory (LSTM) layer with 128 units and a </a:t>
-            </a:r>
-            <a:r>
-              <a:rPr lang="en-GB" b="0" i="0" dirty="0" err="1">
-                <a:solidFill>
-                  <a:srgbClr val="FFFFFF"/>
-                </a:solidFill>
-                <a:effectLst/>
-                <a:latin typeface="var(--sds-font-family-01)"/>
-              </a:rPr>
-              <a:t>ReLU</a:t>
-            </a:r>
-            <a:r>
-              <a:rPr lang="en-GB" b="0" i="0" dirty="0">
-                <a:solidFill>
-                  <a:srgbClr val="FFFFFF"/>
-                </a:solidFill>
-                <a:effectLst/>
-                <a:latin typeface="var(--sds-font-family-01)"/>
-              </a:rPr>
-              <a:t> activation function. The input shape is set to (1, </a:t>
-            </a:r>
-            <a:r>
-              <a:rPr lang="en-GB" b="0" i="0" dirty="0" err="1">
-                <a:solidFill>
-                  <a:srgbClr val="FFFFFF"/>
-                </a:solidFill>
-                <a:effectLst/>
-                <a:latin typeface="var(--sds-font-family-01)"/>
-              </a:rPr>
-              <a:t>X_train_seq.shape</a:t>
-            </a:r>
-            <a:r>
-              <a:rPr lang="en-GB" b="0" i="0" dirty="0">
-                <a:solidFill>
-                  <a:srgbClr val="FFFFFF"/>
-                </a:solidFill>
-                <a:effectLst/>
-                <a:latin typeface="var(--sds-font-family-01)"/>
-              </a:rPr>
-              <a:t>[2]), which means the model expects a sequence of length 1 with the same number of features as the training data.</a:t>
-            </a:r>
-          </a:p>
-          <a:p>
-            <a:pPr algn="l" fontAlgn="base">
-              <a:buFont typeface="+mj-lt"/>
-              <a:buAutoNum type="arabicPeriod"/>
-            </a:pPr>
-            <a:r>
-              <a:rPr lang="en-GB" b="1" i="0" dirty="0">
-                <a:solidFill>
-                  <a:srgbClr val="FFFFFF"/>
-                </a:solidFill>
-                <a:effectLst/>
-                <a:latin typeface="var(--sds-font-family-01)"/>
-              </a:rPr>
-              <a:t>Dropout</a:t>
-            </a:r>
-            <a:r>
-              <a:rPr lang="en-GB" b="0" i="0" dirty="0">
-                <a:solidFill>
-                  <a:srgbClr val="FFFFFF"/>
-                </a:solidFill>
-                <a:effectLst/>
-                <a:latin typeface="var(--sds-font-family-01)"/>
-              </a:rPr>
-              <a:t>(0.3): This adds a dropout layer with a dropout rate of 0.3 to the model, which helps prevent overfitting.</a:t>
-            </a:r>
-          </a:p>
-          <a:p>
-            <a:pPr algn="l" fontAlgn="base">
-              <a:buFont typeface="+mj-lt"/>
-              <a:buAutoNum type="arabicPeriod"/>
-            </a:pPr>
-            <a:r>
-              <a:rPr lang="en-GB" b="1" i="0" dirty="0">
-                <a:solidFill>
-                  <a:srgbClr val="FFFFFF"/>
-                </a:solidFill>
-                <a:effectLst/>
-                <a:latin typeface="var(--sds-font-family-01)"/>
-              </a:rPr>
-              <a:t>Dense</a:t>
-            </a:r>
-            <a:r>
-              <a:rPr lang="en-GB" b="0" i="0" dirty="0">
-                <a:solidFill>
-                  <a:srgbClr val="FFFFFF"/>
-                </a:solidFill>
-                <a:effectLst/>
-                <a:latin typeface="var(--sds-font-family-01)"/>
-              </a:rPr>
-              <a:t>(1): The final dense layer with a single output unit, which represents the predicted sales value.</a:t>
-            </a:r>
+            <a:endParaRPr lang="LID4096" dirty="0"/>
           </a:p>
         </p:txBody>
       </p:sp>
@@ -714,7 +539,7 @@
           <a:p>
             <a:fld id="{A0597DCE-CD42-064F-96DA-441DF0E120C3}" type="slidenum">
               <a:rPr lang="en-DE" smtClean="0"/>
-              <a:t>6</a:t>
+              <a:t>4</a:t>
             </a:fld>
             <a:endParaRPr lang="en-DE"/>
           </a:p>
@@ -723,7 +548,7 @@
     </p:spTree>
     <p:extLst>
       <p:ext uri="{BB962C8B-B14F-4D97-AF65-F5344CB8AC3E}">
-        <p14:creationId xmlns:p14="http://schemas.microsoft.com/office/powerpoint/2010/main" val="2650645140"/>
+        <p14:creationId xmlns:p14="http://schemas.microsoft.com/office/powerpoint/2010/main" val="4254583469"/>
       </p:ext>
     </p:extLst>
   </p:cSld>
@@ -782,6 +607,265 @@
               <a:buAutoNum type="arabicPeriod"/>
             </a:pPr>
             <a:r>
+              <a:rPr lang="en-GB" b="1" i="0" dirty="0">
+                <a:solidFill>
+                  <a:srgbClr val="FFFFFF"/>
+                </a:solidFill>
+                <a:effectLst/>
+                <a:latin typeface="var(--sds-font-family-01)"/>
+              </a:rPr>
+              <a:t>LSTM</a:t>
+            </a:r>
+            <a:r>
+              <a:rPr lang="en-GB" b="0" i="0" dirty="0">
+                <a:solidFill>
+                  <a:srgbClr val="FFFFFF"/>
+                </a:solidFill>
+                <a:effectLst/>
+                <a:latin typeface="var(--sds-font-family-01)"/>
+              </a:rPr>
+              <a:t>(128, activation='</a:t>
+            </a:r>
+            <a:r>
+              <a:rPr lang="en-GB" b="0" i="0" dirty="0" err="1">
+                <a:solidFill>
+                  <a:srgbClr val="FFFFFF"/>
+                </a:solidFill>
+                <a:effectLst/>
+                <a:latin typeface="var(--sds-font-family-01)"/>
+              </a:rPr>
+              <a:t>relu</a:t>
+            </a:r>
+            <a:r>
+              <a:rPr lang="en-GB" b="0" i="0" dirty="0">
+                <a:solidFill>
+                  <a:srgbClr val="FFFFFF"/>
+                </a:solidFill>
+                <a:effectLst/>
+                <a:latin typeface="var(--sds-font-family-01)"/>
+              </a:rPr>
+              <a:t>', </a:t>
+            </a:r>
+            <a:r>
+              <a:rPr lang="en-GB" b="0" i="0" dirty="0" err="1">
+                <a:solidFill>
+                  <a:srgbClr val="FFFFFF"/>
+                </a:solidFill>
+                <a:effectLst/>
+                <a:latin typeface="var(--sds-font-family-01)"/>
+              </a:rPr>
+              <a:t>input_shape</a:t>
+            </a:r>
+            <a:r>
+              <a:rPr lang="en-GB" b="0" i="0" dirty="0">
+                <a:solidFill>
+                  <a:srgbClr val="FFFFFF"/>
+                </a:solidFill>
+                <a:effectLst/>
+                <a:latin typeface="var(--sds-font-family-01)"/>
+              </a:rPr>
+              <a:t>=(1, </a:t>
+            </a:r>
+            <a:r>
+              <a:rPr lang="en-GB" b="0" i="0" dirty="0" err="1">
+                <a:solidFill>
+                  <a:srgbClr val="FFFFFF"/>
+                </a:solidFill>
+                <a:effectLst/>
+                <a:latin typeface="var(--sds-font-family-01)"/>
+              </a:rPr>
+              <a:t>X_train_seq.shape</a:t>
+            </a:r>
+            <a:r>
+              <a:rPr lang="en-GB" b="0" i="0" dirty="0">
+                <a:solidFill>
+                  <a:srgbClr val="FFFFFF"/>
+                </a:solidFill>
+                <a:effectLst/>
+                <a:latin typeface="var(--sds-font-family-01)"/>
+              </a:rPr>
+              <a:t>[2])): This defines the first layer, which is a Long Short-Term Memory (LSTM) layer with 128 units and a </a:t>
+            </a:r>
+            <a:r>
+              <a:rPr lang="en-GB" b="0" i="0" dirty="0" err="1">
+                <a:solidFill>
+                  <a:srgbClr val="FFFFFF"/>
+                </a:solidFill>
+                <a:effectLst/>
+                <a:latin typeface="var(--sds-font-family-01)"/>
+              </a:rPr>
+              <a:t>ReLU</a:t>
+            </a:r>
+            <a:r>
+              <a:rPr lang="en-GB" b="0" i="0" dirty="0">
+                <a:solidFill>
+                  <a:srgbClr val="FFFFFF"/>
+                </a:solidFill>
+                <a:effectLst/>
+                <a:latin typeface="var(--sds-font-family-01)"/>
+              </a:rPr>
+              <a:t> activation function. The input shape is set to (1, </a:t>
+            </a:r>
+            <a:r>
+              <a:rPr lang="en-GB" b="0" i="0" dirty="0" err="1">
+                <a:solidFill>
+                  <a:srgbClr val="FFFFFF"/>
+                </a:solidFill>
+                <a:effectLst/>
+                <a:latin typeface="var(--sds-font-family-01)"/>
+              </a:rPr>
+              <a:t>X_train_seq.shape</a:t>
+            </a:r>
+            <a:r>
+              <a:rPr lang="en-GB" b="0" i="0" dirty="0">
+                <a:solidFill>
+                  <a:srgbClr val="FFFFFF"/>
+                </a:solidFill>
+                <a:effectLst/>
+                <a:latin typeface="var(--sds-font-family-01)"/>
+              </a:rPr>
+              <a:t>[2]), which means the model expects a sequence of length 1 with the same number of features as the training data.</a:t>
+            </a:r>
+          </a:p>
+          <a:p>
+            <a:pPr algn="l" fontAlgn="base">
+              <a:buFont typeface="+mj-lt"/>
+              <a:buAutoNum type="arabicPeriod"/>
+            </a:pPr>
+            <a:r>
+              <a:rPr lang="en-GB" b="1" i="0" dirty="0">
+                <a:solidFill>
+                  <a:srgbClr val="FFFFFF"/>
+                </a:solidFill>
+                <a:effectLst/>
+                <a:latin typeface="var(--sds-font-family-01)"/>
+              </a:rPr>
+              <a:t>Dropout</a:t>
+            </a:r>
+            <a:r>
+              <a:rPr lang="en-GB" b="0" i="0" dirty="0">
+                <a:solidFill>
+                  <a:srgbClr val="FFFFFF"/>
+                </a:solidFill>
+                <a:effectLst/>
+                <a:latin typeface="var(--sds-font-family-01)"/>
+              </a:rPr>
+              <a:t>(0.3): This adds a dropout layer with a dropout rate of 0.3 to the model, which helps prevent overfitting.</a:t>
+            </a:r>
+          </a:p>
+          <a:p>
+            <a:pPr algn="l" fontAlgn="base">
+              <a:buFont typeface="+mj-lt"/>
+              <a:buAutoNum type="arabicPeriod"/>
+            </a:pPr>
+            <a:r>
+              <a:rPr lang="en-GB" b="1" i="0" dirty="0">
+                <a:solidFill>
+                  <a:srgbClr val="FFFFFF"/>
+                </a:solidFill>
+                <a:effectLst/>
+                <a:latin typeface="var(--sds-font-family-01)"/>
+              </a:rPr>
+              <a:t>Dense</a:t>
+            </a:r>
+            <a:r>
+              <a:rPr lang="en-GB" b="0" i="0" dirty="0">
+                <a:solidFill>
+                  <a:srgbClr val="FFFFFF"/>
+                </a:solidFill>
+                <a:effectLst/>
+                <a:latin typeface="var(--sds-font-family-01)"/>
+              </a:rPr>
+              <a:t>(1): The final dense layer with a single output unit, which represents the predicted sales value.</a:t>
+            </a:r>
+          </a:p>
+        </p:txBody>
+      </p:sp>
+      <p:sp>
+        <p:nvSpPr>
+          <p:cNvPr id="4" name="Slide Number Placeholder 3"/>
+          <p:cNvSpPr>
+            <a:spLocks noGrp="1"/>
+          </p:cNvSpPr>
+          <p:nvPr>
+            <p:ph type="sldNum" sz="quarter" idx="5"/>
+          </p:nvPr>
+        </p:nvSpPr>
+        <p:spPr/>
+        <p:txBody>
+          <a:bodyPr/>
+          <a:lstStyle/>
+          <a:p>
+            <a:fld id="{A0597DCE-CD42-064F-96DA-441DF0E120C3}" type="slidenum">
+              <a:rPr lang="en-DE" smtClean="0"/>
+              <a:t>6</a:t>
+            </a:fld>
+            <a:endParaRPr lang="en-DE"/>
+          </a:p>
+        </p:txBody>
+      </p:sp>
+    </p:spTree>
+    <p:extLst>
+      <p:ext uri="{BB962C8B-B14F-4D97-AF65-F5344CB8AC3E}">
+        <p14:creationId xmlns:p14="http://schemas.microsoft.com/office/powerpoint/2010/main" val="2650645140"/>
+      </p:ext>
+    </p:extLst>
+  </p:cSld>
+  <p:clrMapOvr>
+    <a:masterClrMapping/>
+  </p:clrMapOvr>
+</p:notes>
+</file>
+
+<file path=ppt/notesSlides/notesSlide3.xml><?xml version="1.0" encoding="utf-8"?>
+<p:notes xmlns:a="http://schemas.openxmlformats.org/drawingml/2006/main" xmlns:r="http://schemas.openxmlformats.org/officeDocument/2006/relationships" xmlns:p="http://schemas.openxmlformats.org/presentationml/2006/main">
+  <p:cSld>
+    <p:spTree>
+      <p:nvGrpSpPr>
+        <p:cNvPr id="1" name=""/>
+        <p:cNvGrpSpPr/>
+        <p:nvPr/>
+      </p:nvGrpSpPr>
+      <p:grpSpPr>
+        <a:xfrm>
+          <a:off x="0" y="0"/>
+          <a:ext cx="0" cy="0"/>
+          <a:chOff x="0" y="0"/>
+          <a:chExt cx="0" cy="0"/>
+        </a:xfrm>
+      </p:grpSpPr>
+      <p:sp>
+        <p:nvSpPr>
+          <p:cNvPr id="2" name="Slide Image Placeholder 1"/>
+          <p:cNvSpPr>
+            <a:spLocks noGrp="1" noRot="1" noChangeAspect="1"/>
+          </p:cNvSpPr>
+          <p:nvPr>
+            <p:ph type="sldImg"/>
+          </p:nvPr>
+        </p:nvSpPr>
+        <p:spPr/>
+      </p:sp>
+      <p:sp>
+        <p:nvSpPr>
+          <p:cNvPr id="3" name="Notes Placeholder 2"/>
+          <p:cNvSpPr>
+            <a:spLocks noGrp="1"/>
+          </p:cNvSpPr>
+          <p:nvPr>
+            <p:ph type="body" idx="1"/>
+          </p:nvPr>
+        </p:nvSpPr>
+        <p:spPr/>
+        <p:txBody>
+          <a:bodyPr/>
+          <a:lstStyle/>
+          <a:p>
+            <a:pPr algn="l" fontAlgn="base">
+              <a:buFont typeface="+mj-lt"/>
+              <a:buAutoNum type="arabicPeriod"/>
+            </a:pPr>
+            <a:r>
               <a:rPr lang="en-GB" b="0" i="0" dirty="0">
                 <a:solidFill>
                   <a:srgbClr val="FFFFFF"/>
@@ -1522,7 +1606,7 @@
 </p:notes>
 </file>
 
-<file path=ppt/notesSlides/notesSlide3.xml><?xml version="1.0" encoding="utf-8"?>
+<file path=ppt/notesSlides/notesSlide4.xml><?xml version="1.0" encoding="utf-8"?>
 <p:notes xmlns:a="http://schemas.openxmlformats.org/drawingml/2006/main" xmlns:r="http://schemas.openxmlformats.org/officeDocument/2006/relationships" xmlns:p="http://schemas.openxmlformats.org/presentationml/2006/main">
   <p:cSld>
     <p:spTree>
@@ -6094,12 +6178,12 @@
         <p:spPr>
           <a:xfrm>
             <a:off x="838200" y="1825625"/>
-            <a:ext cx="6995746" cy="4351338"/>
+            <a:ext cx="6556022" cy="4351338"/>
           </a:xfrm>
         </p:spPr>
         <p:txBody>
           <a:bodyPr>
-            <a:normAutofit fontScale="85000" lnSpcReduction="10000"/>
+            <a:normAutofit lnSpcReduction="10000"/>
           </a:bodyPr>
           <a:lstStyle/>
           <a:p>
@@ -6110,220 +6194,116 @@
               <a:buNone/>
             </a:pPr>
             <a:r>
-              <a:rPr lang="en-GB" sz="1800" b="1" dirty="0" err="1">
-                <a:effectLst/>
-                <a:latin typeface="Menlo" panose="020B0609030804020204" pitchFamily="49" charset="0"/>
-                <a:ea typeface="Menlo" panose="020B0609030804020204" pitchFamily="49" charset="0"/>
-                <a:cs typeface="Menlo" panose="020B0609030804020204" pitchFamily="49" charset="0"/>
+              <a:rPr lang="en-GB" sz="2200" dirty="0" err="1">
+                <a:latin typeface="Lato" panose="020F0502020204030203" pitchFamily="34" charset="0"/>
+                <a:ea typeface="Lato" panose="020F0502020204030203" pitchFamily="34" charset="0"/>
+                <a:cs typeface="Lato" panose="020F0502020204030203" pitchFamily="34" charset="0"/>
               </a:rPr>
               <a:t>Umsatz</a:t>
             </a:r>
             <a:r>
-              <a:rPr lang="en-GB" sz="1800" dirty="0">
-                <a:effectLst/>
-                <a:latin typeface="Menlo" panose="020B0609030804020204" pitchFamily="49" charset="0"/>
-                <a:ea typeface="Menlo" panose="020B0609030804020204" pitchFamily="49" charset="0"/>
-                <a:cs typeface="Menlo" panose="020B0609030804020204" pitchFamily="49" charset="0"/>
-              </a:rPr>
-              <a:t> = 180.56 - 6.62*</a:t>
-            </a:r>
-            <a:r>
-              <a:rPr lang="en-GB" sz="1800" dirty="0" err="1">
-                <a:effectLst/>
-                <a:latin typeface="Menlo" panose="020B0609030804020204" pitchFamily="49" charset="0"/>
-                <a:ea typeface="Menlo" panose="020B0609030804020204" pitchFamily="49" charset="0"/>
-                <a:cs typeface="Menlo" panose="020B0609030804020204" pitchFamily="49" charset="0"/>
+              <a:rPr lang="en-GB" sz="2200" dirty="0">
+                <a:latin typeface="Lato" panose="020F0502020204030203" pitchFamily="34" charset="0"/>
+                <a:ea typeface="Lato" panose="020F0502020204030203" pitchFamily="34" charset="0"/>
+                <a:cs typeface="Lato" panose="020F0502020204030203" pitchFamily="34" charset="0"/>
+              </a:rPr>
+              <a:t> = 191.44 + 27.53*</a:t>
+            </a:r>
+            <a:r>
+              <a:rPr lang="en-GB" sz="2200" dirty="0" err="1">
+                <a:latin typeface="Lato" panose="020F0502020204030203" pitchFamily="34" charset="0"/>
+                <a:ea typeface="Lato" panose="020F0502020204030203" pitchFamily="34" charset="0"/>
+                <a:cs typeface="Lato" panose="020F0502020204030203" pitchFamily="34" charset="0"/>
+              </a:rPr>
+              <a:t>Temperatur</a:t>
+            </a:r>
+            <a:r>
+              <a:rPr lang="en-GB" sz="2200" dirty="0">
+                <a:latin typeface="Lato" panose="020F0502020204030203" pitchFamily="34" charset="0"/>
+                <a:ea typeface="Lato" panose="020F0502020204030203" pitchFamily="34" charset="0"/>
+                <a:cs typeface="Lato" panose="020F0502020204030203" pitchFamily="34" charset="0"/>
+              </a:rPr>
+              <a:t> - 0.85*</a:t>
+            </a:r>
+            <a:r>
+              <a:rPr lang="en-GB" sz="2200" dirty="0" err="1">
+                <a:latin typeface="Lato" panose="020F0502020204030203" pitchFamily="34" charset="0"/>
+                <a:ea typeface="Lato" panose="020F0502020204030203" pitchFamily="34" charset="0"/>
+                <a:cs typeface="Lato" panose="020F0502020204030203" pitchFamily="34" charset="0"/>
               </a:rPr>
               <a:t>Bewoelkung</a:t>
             </a:r>
             <a:r>
-              <a:rPr lang="en-GB" sz="1800" dirty="0">
-                <a:effectLst/>
-                <a:latin typeface="Menlo" panose="020B0609030804020204" pitchFamily="49" charset="0"/>
-                <a:ea typeface="Menlo" panose="020B0609030804020204" pitchFamily="49" charset="0"/>
-                <a:cs typeface="Menlo" panose="020B0609030804020204" pitchFamily="49" charset="0"/>
-              </a:rPr>
-              <a:t> + 1.34*</a:t>
-            </a:r>
-            <a:r>
-              <a:rPr lang="en-GB" sz="1800" dirty="0" err="1">
-                <a:effectLst/>
-                <a:latin typeface="Menlo" panose="020B0609030804020204" pitchFamily="49" charset="0"/>
-                <a:ea typeface="Menlo" panose="020B0609030804020204" pitchFamily="49" charset="0"/>
-                <a:cs typeface="Menlo" panose="020B0609030804020204" pitchFamily="49" charset="0"/>
+              <a:rPr lang="en-GB" sz="2200" dirty="0">
+                <a:latin typeface="Lato" panose="020F0502020204030203" pitchFamily="34" charset="0"/>
+                <a:ea typeface="Lato" panose="020F0502020204030203" pitchFamily="34" charset="0"/>
+                <a:cs typeface="Lato" panose="020F0502020204030203" pitchFamily="34" charset="0"/>
+              </a:rPr>
+              <a:t> + 1.10*</a:t>
+            </a:r>
+            <a:r>
+              <a:rPr lang="en-GB" sz="2200" dirty="0" err="1">
+                <a:latin typeface="Lato" panose="020F0502020204030203" pitchFamily="34" charset="0"/>
+                <a:ea typeface="Lato" panose="020F0502020204030203" pitchFamily="34" charset="0"/>
+                <a:cs typeface="Lato" panose="020F0502020204030203" pitchFamily="34" charset="0"/>
               </a:rPr>
               <a:t>Windgeschwindigkeit</a:t>
             </a:r>
             <a:r>
-              <a:rPr lang="en-GB" sz="1800" dirty="0">
-                <a:effectLst/>
-                <a:latin typeface="Menlo" panose="020B0609030804020204" pitchFamily="49" charset="0"/>
-                <a:ea typeface="Menlo" panose="020B0609030804020204" pitchFamily="49" charset="0"/>
-                <a:cs typeface="Menlo" panose="020B0609030804020204" pitchFamily="49" charset="0"/>
-              </a:rPr>
-              <a:t> + 2.28*</a:t>
-            </a:r>
-            <a:r>
-              <a:rPr lang="en-GB" sz="1800" dirty="0" err="1">
-                <a:effectLst/>
-                <a:latin typeface="Menlo" panose="020B0609030804020204" pitchFamily="49" charset="0"/>
-                <a:ea typeface="Menlo" panose="020B0609030804020204" pitchFamily="49" charset="0"/>
-                <a:cs typeface="Menlo" panose="020B0609030804020204" pitchFamily="49" charset="0"/>
+              <a:rPr lang="en-GB" sz="2200" dirty="0">
+                <a:latin typeface="Lato" panose="020F0502020204030203" pitchFamily="34" charset="0"/>
+                <a:ea typeface="Lato" panose="020F0502020204030203" pitchFamily="34" charset="0"/>
+                <a:cs typeface="Lato" panose="020F0502020204030203" pitchFamily="34" charset="0"/>
+              </a:rPr>
+              <a:t> + 0.12*</a:t>
+            </a:r>
+            <a:r>
+              <a:rPr lang="en-GB" sz="2200" dirty="0" err="1">
+                <a:latin typeface="Lato" panose="020F0502020204030203" pitchFamily="34" charset="0"/>
+                <a:ea typeface="Lato" panose="020F0502020204030203" pitchFamily="34" charset="0"/>
+                <a:cs typeface="Lato" panose="020F0502020204030203" pitchFamily="34" charset="0"/>
               </a:rPr>
               <a:t>Wettercode</a:t>
             </a:r>
             <a:r>
-              <a:rPr lang="en-GB" sz="1800" dirty="0">
-                <a:effectLst/>
-                <a:latin typeface="Menlo" panose="020B0609030804020204" pitchFamily="49" charset="0"/>
-                <a:ea typeface="Menlo" panose="020B0609030804020204" pitchFamily="49" charset="0"/>
-                <a:cs typeface="Menlo" panose="020B0609030804020204" pitchFamily="49" charset="0"/>
-              </a:rPr>
-              <a:t> + 5.10*</a:t>
-            </a:r>
-            <a:r>
-              <a:rPr lang="en-GB" sz="1800" dirty="0" err="1">
-                <a:effectLst/>
-                <a:latin typeface="Menlo" panose="020B0609030804020204" pitchFamily="49" charset="0"/>
-                <a:ea typeface="Menlo" panose="020B0609030804020204" pitchFamily="49" charset="0"/>
-                <a:cs typeface="Menlo" panose="020B0609030804020204" pitchFamily="49" charset="0"/>
+              <a:rPr lang="en-GB" sz="2200" dirty="0">
+                <a:latin typeface="Lato" panose="020F0502020204030203" pitchFamily="34" charset="0"/>
+                <a:ea typeface="Lato" panose="020F0502020204030203" pitchFamily="34" charset="0"/>
+                <a:cs typeface="Lato" panose="020F0502020204030203" pitchFamily="34" charset="0"/>
+              </a:rPr>
+              <a:t> + 2.41*</a:t>
+            </a:r>
+            <a:r>
+              <a:rPr lang="en-GB" sz="2200" dirty="0" err="1">
+                <a:latin typeface="Lato" panose="020F0502020204030203" pitchFamily="34" charset="0"/>
+                <a:ea typeface="Lato" panose="020F0502020204030203" pitchFamily="34" charset="0"/>
+                <a:cs typeface="Lato" panose="020F0502020204030203" pitchFamily="34" charset="0"/>
               </a:rPr>
               <a:t>KielerWoche</a:t>
             </a:r>
             <a:r>
-              <a:rPr lang="en-GB" sz="1800" dirty="0">
-                <a:effectLst/>
-                <a:latin typeface="Menlo" panose="020B0609030804020204" pitchFamily="49" charset="0"/>
-                <a:ea typeface="Menlo" panose="020B0609030804020204" pitchFamily="49" charset="0"/>
-                <a:cs typeface="Menlo" panose="020B0609030804020204" pitchFamily="49" charset="0"/>
-              </a:rPr>
-              <a:t> + 19.02*</a:t>
-            </a:r>
-            <a:r>
-              <a:rPr lang="en-GB" sz="1800" dirty="0" err="1">
-                <a:effectLst/>
-                <a:latin typeface="Menlo" panose="020B0609030804020204" pitchFamily="49" charset="0"/>
-                <a:ea typeface="Menlo" panose="020B0609030804020204" pitchFamily="49" charset="0"/>
-                <a:cs typeface="Menlo" panose="020B0609030804020204" pitchFamily="49" charset="0"/>
+              <a:rPr lang="en-GB" sz="2200" dirty="0">
+                <a:latin typeface="Lato" panose="020F0502020204030203" pitchFamily="34" charset="0"/>
+                <a:ea typeface="Lato" panose="020F0502020204030203" pitchFamily="34" charset="0"/>
+                <a:cs typeface="Lato" panose="020F0502020204030203" pitchFamily="34" charset="0"/>
+              </a:rPr>
+              <a:t> + 19.36*</a:t>
+            </a:r>
+            <a:r>
+              <a:rPr lang="en-GB" sz="2200" dirty="0" err="1">
+                <a:latin typeface="Lato" panose="020F0502020204030203" pitchFamily="34" charset="0"/>
+                <a:ea typeface="Lato" panose="020F0502020204030203" pitchFamily="34" charset="0"/>
+                <a:cs typeface="Lato" panose="020F0502020204030203" pitchFamily="34" charset="0"/>
               </a:rPr>
               <a:t>DayOfWeek</a:t>
             </a:r>
             <a:r>
-              <a:rPr lang="en-GB" sz="1800" dirty="0">
-                <a:effectLst/>
-                <a:latin typeface="Menlo" panose="020B0609030804020204" pitchFamily="49" charset="0"/>
-                <a:ea typeface="Menlo" panose="020B0609030804020204" pitchFamily="49" charset="0"/>
-                <a:cs typeface="Menlo" panose="020B0609030804020204" pitchFamily="49" charset="0"/>
-              </a:rPr>
-              <a:t> + 4.11*Month - 68.57*Warengruppe_1 + 220.69*Warengruppe_2 - 25.76*Warengruppe_3 - 101.39*Warengruppe_4 + 90.99*Warengruppe_5 - 115.96*Warengruppe_6 - 14.30*</a:t>
-            </a:r>
-            <a:r>
-              <a:rPr lang="en-GB" sz="1800" dirty="0" err="1">
-                <a:effectLst/>
-                <a:latin typeface="Menlo" panose="020B0609030804020204" pitchFamily="49" charset="0"/>
-                <a:ea typeface="Menlo" panose="020B0609030804020204" pitchFamily="49" charset="0"/>
-                <a:cs typeface="Menlo" panose="020B0609030804020204" pitchFamily="49" charset="0"/>
-              </a:rPr>
-              <a:t>Temperatur_binned_Mild</a:t>
-            </a:r>
-            <a:r>
-              <a:rPr lang="en-GB" sz="1800" dirty="0">
-                <a:effectLst/>
-                <a:latin typeface="Menlo" panose="020B0609030804020204" pitchFamily="49" charset="0"/>
-                <a:ea typeface="Menlo" panose="020B0609030804020204" pitchFamily="49" charset="0"/>
-                <a:cs typeface="Menlo" panose="020B0609030804020204" pitchFamily="49" charset="0"/>
-              </a:rPr>
-              <a:t> - 12.87*</a:t>
-            </a:r>
-            <a:r>
-              <a:rPr lang="en-GB" sz="1800" dirty="0" err="1">
-                <a:effectLst/>
-                <a:latin typeface="Menlo" panose="020B0609030804020204" pitchFamily="49" charset="0"/>
-                <a:ea typeface="Menlo" panose="020B0609030804020204" pitchFamily="49" charset="0"/>
-                <a:cs typeface="Menlo" panose="020B0609030804020204" pitchFamily="49" charset="0"/>
-              </a:rPr>
-              <a:t>Temperatur_binned_Warm</a:t>
-            </a:r>
-            <a:r>
-              <a:rPr lang="en-GB" sz="1800" dirty="0">
-                <a:effectLst/>
-                <a:latin typeface="Menlo" panose="020B0609030804020204" pitchFamily="49" charset="0"/>
-                <a:ea typeface="Menlo" panose="020B0609030804020204" pitchFamily="49" charset="0"/>
-                <a:cs typeface="Menlo" panose="020B0609030804020204" pitchFamily="49" charset="0"/>
-              </a:rPr>
-              <a:t> + 1.40*</a:t>
-            </a:r>
-            <a:r>
-              <a:rPr lang="en-GB" sz="1800" dirty="0" err="1">
-                <a:effectLst/>
-                <a:latin typeface="Menlo" panose="020B0609030804020204" pitchFamily="49" charset="0"/>
-                <a:ea typeface="Menlo" panose="020B0609030804020204" pitchFamily="49" charset="0"/>
-                <a:cs typeface="Menlo" panose="020B0609030804020204" pitchFamily="49" charset="0"/>
-              </a:rPr>
-              <a:t>Temperatur_binned_Hot</a:t>
-            </a:r>
-            <a:r>
-              <a:rPr lang="en-GB" sz="1800" dirty="0">
-                <a:effectLst/>
-                <a:latin typeface="Menlo" panose="020B0609030804020204" pitchFamily="49" charset="0"/>
-                <a:ea typeface="Menlo" panose="020B0609030804020204" pitchFamily="49" charset="0"/>
-                <a:cs typeface="Menlo" panose="020B0609030804020204" pitchFamily="49" charset="0"/>
-              </a:rPr>
-              <a:t> + 15.09*</a:t>
-            </a:r>
-            <a:r>
-              <a:rPr lang="en-GB" sz="1800" dirty="0" err="1">
-                <a:effectLst/>
-                <a:latin typeface="Menlo" panose="020B0609030804020204" pitchFamily="49" charset="0"/>
-                <a:ea typeface="Menlo" panose="020B0609030804020204" pitchFamily="49" charset="0"/>
-                <a:cs typeface="Menlo" panose="020B0609030804020204" pitchFamily="49" charset="0"/>
-              </a:rPr>
-              <a:t>Temperatur_binned_Cool</a:t>
-            </a:r>
-            <a:r>
-              <a:rPr lang="en-GB" sz="1800" dirty="0">
-                <a:effectLst/>
-                <a:latin typeface="Menlo" panose="020B0609030804020204" pitchFamily="49" charset="0"/>
-                <a:ea typeface="Menlo" panose="020B0609030804020204" pitchFamily="49" charset="0"/>
-                <a:cs typeface="Menlo" panose="020B0609030804020204" pitchFamily="49" charset="0"/>
-              </a:rPr>
-              <a:t> - 20.82*</a:t>
-            </a:r>
-            <a:r>
-              <a:rPr lang="en-GB" sz="1800" dirty="0" err="1">
-                <a:effectLst/>
-                <a:latin typeface="Menlo" panose="020B0609030804020204" pitchFamily="49" charset="0"/>
-                <a:ea typeface="Menlo" panose="020B0609030804020204" pitchFamily="49" charset="0"/>
-                <a:cs typeface="Menlo" panose="020B0609030804020204" pitchFamily="49" charset="0"/>
-              </a:rPr>
-              <a:t>Temperatur_binned_Cold</a:t>
-            </a:r>
-            <a:r>
-              <a:rPr lang="en-GB" sz="1800" dirty="0">
-                <a:effectLst/>
-                <a:latin typeface="Menlo" panose="020B0609030804020204" pitchFamily="49" charset="0"/>
-                <a:ea typeface="Menlo" panose="020B0609030804020204" pitchFamily="49" charset="0"/>
-                <a:cs typeface="Menlo" panose="020B0609030804020204" pitchFamily="49" charset="0"/>
-              </a:rPr>
-              <a:t> + 31.50*</a:t>
-            </a:r>
-            <a:r>
-              <a:rPr lang="en-GB" sz="1800" dirty="0" err="1">
-                <a:effectLst/>
-                <a:latin typeface="Menlo" panose="020B0609030804020204" pitchFamily="49" charset="0"/>
-                <a:ea typeface="Menlo" panose="020B0609030804020204" pitchFamily="49" charset="0"/>
-                <a:cs typeface="Menlo" panose="020B0609030804020204" pitchFamily="49" charset="0"/>
-              </a:rPr>
-              <a:t>Temperatur_binned_Very</a:t>
-            </a:r>
-            <a:r>
-              <a:rPr lang="en-GB" sz="1800" dirty="0">
-                <a:effectLst/>
-                <a:latin typeface="Menlo" panose="020B0609030804020204" pitchFamily="49" charset="0"/>
-                <a:ea typeface="Menlo" panose="020B0609030804020204" pitchFamily="49" charset="0"/>
-                <a:cs typeface="Menlo" panose="020B0609030804020204" pitchFamily="49" charset="0"/>
-              </a:rPr>
-              <a:t> Cold </a:t>
+              <a:rPr lang="en-GB" sz="2200" dirty="0">
+                <a:latin typeface="Lato" panose="020F0502020204030203" pitchFamily="34" charset="0"/>
+                <a:ea typeface="Lato" panose="020F0502020204030203" pitchFamily="34" charset="0"/>
+                <a:cs typeface="Lato" panose="020F0502020204030203" pitchFamily="34" charset="0"/>
+              </a:rPr>
+              <a:t> + 1.18*Month - 70.76*Warengruppe_1 + 218.50*Warengruppe_2 - 27.95*Warengruppe_3 - 103.67*Warengruppe_4 + 88.80*Warengruppe_5 - 104.93*Warengruppe_6</a:t>
             </a:r>
           </a:p>
           <a:p>
@@ -6331,9 +6311,10 @@
               <a:buNone/>
             </a:pPr>
             <a:endParaRPr lang="en-GB" dirty="0">
-              <a:latin typeface="Menlo" panose="020B0609030804020204" pitchFamily="49" charset="0"/>
-              <a:ea typeface="Menlo" panose="020B0609030804020204" pitchFamily="49" charset="0"/>
-              <a:cs typeface="Menlo" panose="020B0609030804020204" pitchFamily="49" charset="0"/>
+              <a:effectLst/>
+              <a:latin typeface="Lato" panose="020F0502020204030203" pitchFamily="34" charset="0"/>
+              <a:ea typeface="Lato" panose="020F0502020204030203" pitchFamily="34" charset="0"/>
+              <a:cs typeface="Lato" panose="020F0502020204030203" pitchFamily="34" charset="0"/>
             </a:endParaRPr>
           </a:p>
           <a:p>
@@ -6341,13 +6322,13 @@
               <a:buNone/>
             </a:pPr>
             <a:r>
-              <a:rPr lang="en-GB" dirty="0">
-                <a:effectLst/>
-                <a:latin typeface="Menlo" panose="020B0609030804020204" pitchFamily="49" charset="0"/>
-                <a:ea typeface="Menlo" panose="020B0609030804020204" pitchFamily="49" charset="0"/>
-                <a:cs typeface="Menlo" panose="020B0609030804020204" pitchFamily="49" charset="0"/>
-              </a:rPr>
-              <a:t>Adjusted R²: 0.6668 </a:t>
+              <a:rPr lang="en-GB" b="1" dirty="0">
+                <a:effectLst/>
+                <a:latin typeface="Lato" panose="020F0502020204030203" pitchFamily="34" charset="0"/>
+                <a:ea typeface="Lato" panose="020F0502020204030203" pitchFamily="34" charset="0"/>
+                <a:cs typeface="Lato" panose="020F0502020204030203" pitchFamily="34" charset="0"/>
+              </a:rPr>
+              <a:t>Adjusted R²: 0.69</a:t>
             </a:r>
           </a:p>
           <a:p>
@@ -6362,36 +6343,6 @@
           </a:p>
         </p:txBody>
       </p:sp>
-      <p:pic>
-        <p:nvPicPr>
-          <p:cNvPr id="5" name="Picture 4">
-            <a:extLst>
-              <a:ext uri="{FF2B5EF4-FFF2-40B4-BE49-F238E27FC236}">
-                <a16:creationId xmlns:a16="http://schemas.microsoft.com/office/drawing/2014/main" id="{1CB38B6F-A597-4211-A3E1-421130D82694}"/>
-              </a:ext>
-            </a:extLst>
-          </p:cNvPr>
-          <p:cNvPicPr>
-            <a:picLocks noChangeAspect="1"/>
-          </p:cNvPicPr>
-          <p:nvPr/>
-        </p:nvPicPr>
-        <p:blipFill>
-          <a:blip r:embed="rId2"/>
-          <a:stretch>
-            <a:fillRect/>
-          </a:stretch>
-        </p:blipFill>
-        <p:spPr>
-          <a:xfrm>
-            <a:off x="7737230" y="2140096"/>
-            <a:ext cx="4198861" cy="3002916"/>
-          </a:xfrm>
-          <a:prstGeom prst="rect">
-            <a:avLst/>
-          </a:prstGeom>
-        </p:spPr>
-      </p:pic>
       <p:sp>
         <p:nvSpPr>
           <p:cNvPr id="6" name="Title 1">
@@ -6522,6 +6473,36 @@
           </a:p>
         </p:txBody>
       </p:sp>
+      <p:pic>
+        <p:nvPicPr>
+          <p:cNvPr id="4" name="Picture 3">
+            <a:extLst>
+              <a:ext uri="{FF2B5EF4-FFF2-40B4-BE49-F238E27FC236}">
+                <a16:creationId xmlns:a16="http://schemas.microsoft.com/office/drawing/2014/main" id="{B30C3307-04A8-4C89-A752-B87B613FFA37}"/>
+              </a:ext>
+            </a:extLst>
+          </p:cNvPr>
+          <p:cNvPicPr>
+            <a:picLocks noChangeAspect="1"/>
+          </p:cNvPicPr>
+          <p:nvPr/>
+        </p:nvPicPr>
+        <p:blipFill>
+          <a:blip r:embed="rId3"/>
+          <a:stretch>
+            <a:fillRect/>
+          </a:stretch>
+        </p:blipFill>
+        <p:spPr>
+          <a:xfrm>
+            <a:off x="7394222" y="2194902"/>
+            <a:ext cx="4850251" cy="3505987"/>
+          </a:xfrm>
+          <a:prstGeom prst="rect">
+            <a:avLst/>
+          </a:prstGeom>
+        </p:spPr>
+      </p:pic>
     </p:spTree>
     <p:extLst>
       <p:ext uri="{BB962C8B-B14F-4D97-AF65-F5344CB8AC3E}">
@@ -6554,35 +6535,6 @@
       </p:grpSpPr>
       <p:sp>
         <p:nvSpPr>
-          <p:cNvPr id="3" name="Content Placeholder 2">
-            <a:extLst>
-              <a:ext uri="{FF2B5EF4-FFF2-40B4-BE49-F238E27FC236}">
-                <a16:creationId xmlns:a16="http://schemas.microsoft.com/office/drawing/2014/main" id="{8BCD3E5F-3F71-4152-A1E8-FF4418E32727}"/>
-              </a:ext>
-            </a:extLst>
-          </p:cNvPr>
-          <p:cNvSpPr>
-            <a:spLocks noGrp="1"/>
-          </p:cNvSpPr>
-          <p:nvPr>
-            <p:ph idx="1"/>
-          </p:nvPr>
-        </p:nvSpPr>
-        <p:spPr/>
-        <p:txBody>
-          <a:bodyPr/>
-          <a:lstStyle/>
-          <a:p>
-            <a:r>
-              <a:rPr lang="en-US" dirty="0"/>
-              <a:t>KNN</a:t>
-            </a:r>
-            <a:endParaRPr lang="LID4096" dirty="0"/>
-          </a:p>
-        </p:txBody>
-      </p:sp>
-      <p:sp>
-        <p:nvSpPr>
           <p:cNvPr id="6" name="Title 1">
             <a:extLst>
               <a:ext uri="{FF2B5EF4-FFF2-40B4-BE49-F238E27FC236}">
@@ -6606,7 +6558,7 @@
         </p:spPr>
         <p:txBody>
           <a:bodyPr vert="horz" lIns="91440" tIns="45720" rIns="91440" bIns="45720" rtlCol="0" anchor="ctr">
-            <a:normAutofit/>
+            <a:normAutofit fontScale="92500"/>
           </a:bodyPr>
           <a:lstStyle>
             <a:lvl1pPr algn="l" defTabSz="914400" rtl="0" eaLnBrk="1" latinLnBrk="0" hangingPunct="1">
@@ -6629,7 +6581,7 @@
           </a:lstStyle>
           <a:p>
             <a:r>
-              <a:rPr kumimoji="0" lang="LID4096" altLang="LID4096" sz="4400" b="0" i="0" u="none" strike="noStrike" cap="none" spc="120" normalizeH="0">
+              <a:rPr kumimoji="0" lang="LID4096" altLang="LID4096" sz="4400" b="0" i="0" u="none" strike="noStrike" cap="none" spc="120" normalizeH="0" dirty="0">
                 <a:ln>
                   <a:noFill/>
                 </a:ln>
@@ -6641,7 +6593,33 @@
               </a:rPr>
               <a:t>Art der Missing Value Imputation</a:t>
             </a:r>
-            <a:endParaRPr lang="LID4096" spc="120" dirty="0">
+            <a:r>
+              <a:rPr kumimoji="0" lang="en-GB" altLang="LID4096" sz="4400" b="0" i="0" u="none" strike="noStrike" cap="none" spc="120" normalizeH="0" dirty="0">
+                <a:ln>
+                  <a:noFill/>
+                </a:ln>
+                <a:solidFill>
+                  <a:schemeClr val="tx1"/>
+                </a:solidFill>
+                <a:effectLst/>
+                <a:latin typeface="Lato" panose="020F0502020204030203" pitchFamily="34" charset="77"/>
+              </a:rPr>
+              <a:t> - </a:t>
+            </a:r>
+            <a:r>
+              <a:rPr kumimoji="0" lang="en-GB" altLang="LID4096" sz="4400" b="1" i="0" u="none" strike="noStrike" cap="none" spc="120" normalizeH="0" dirty="0">
+                <a:ln>
+                  <a:noFill/>
+                </a:ln>
+                <a:solidFill>
+                  <a:schemeClr val="tx1"/>
+                </a:solidFill>
+                <a:effectLst/>
+                <a:latin typeface="Lato" panose="020F0502020204030203" pitchFamily="34" charset="77"/>
+              </a:rPr>
+              <a:t>KNN </a:t>
+            </a:r>
+            <a:endParaRPr lang="LID4096" b="1" spc="120" dirty="0">
               <a:latin typeface="Lato" panose="020F0502020204030203" pitchFamily="34" charset="77"/>
             </a:endParaRPr>
           </a:p>
@@ -6673,6 +6651,480 @@
               <a:t>5</a:t>
             </a:fld>
             <a:endParaRPr lang="LID4096"/>
+          </a:p>
+        </p:txBody>
+      </p:sp>
+      <p:pic>
+        <p:nvPicPr>
+          <p:cNvPr id="4" name="Picture 3">
+            <a:extLst>
+              <a:ext uri="{FF2B5EF4-FFF2-40B4-BE49-F238E27FC236}">
+                <a16:creationId xmlns:a16="http://schemas.microsoft.com/office/drawing/2014/main" id="{068E1920-E5A6-4B88-9EA8-BC20495B9D31}"/>
+              </a:ext>
+            </a:extLst>
+          </p:cNvPr>
+          <p:cNvPicPr>
+            <a:picLocks noChangeAspect="1"/>
+          </p:cNvPicPr>
+          <p:nvPr/>
+        </p:nvPicPr>
+        <p:blipFill>
+          <a:blip r:embed="rId2"/>
+          <a:stretch>
+            <a:fillRect/>
+          </a:stretch>
+        </p:blipFill>
+        <p:spPr>
+          <a:xfrm>
+            <a:off x="2550257" y="2915927"/>
+            <a:ext cx="7091486" cy="3942073"/>
+          </a:xfrm>
+          <a:prstGeom prst="rect">
+            <a:avLst/>
+          </a:prstGeom>
+        </p:spPr>
+      </p:pic>
+      <p:sp>
+        <p:nvSpPr>
+          <p:cNvPr id="9" name="TextBox 8">
+            <a:extLst>
+              <a:ext uri="{FF2B5EF4-FFF2-40B4-BE49-F238E27FC236}">
+                <a16:creationId xmlns:a16="http://schemas.microsoft.com/office/drawing/2014/main" id="{EAF310CF-4A71-43C1-9AF8-22281AE9CC8B}"/>
+              </a:ext>
+            </a:extLst>
+          </p:cNvPr>
+          <p:cNvSpPr txBox="1"/>
+          <p:nvPr/>
+        </p:nvSpPr>
+        <p:spPr>
+          <a:xfrm>
+            <a:off x="838200" y="1161601"/>
+            <a:ext cx="8207022" cy="1754326"/>
+          </a:xfrm>
+          <a:prstGeom prst="rect">
+            <a:avLst/>
+          </a:prstGeom>
+          <a:noFill/>
+        </p:spPr>
+        <p:txBody>
+          <a:bodyPr wrap="square">
+            <a:spAutoFit/>
+          </a:bodyPr>
+          <a:lstStyle/>
+          <a:p>
+            <a:r>
+              <a:rPr lang="en-GB" b="0" dirty="0">
+                <a:solidFill>
+                  <a:srgbClr val="008000"/>
+                </a:solidFill>
+                <a:effectLst/>
+                <a:latin typeface="Consolas" panose="020B0609020204030204" pitchFamily="49" charset="0"/>
+              </a:rPr>
+              <a:t># Replace </a:t>
+            </a:r>
+            <a:r>
+              <a:rPr lang="en-GB" b="0" dirty="0" err="1">
+                <a:solidFill>
+                  <a:srgbClr val="008000"/>
+                </a:solidFill>
+                <a:effectLst/>
+                <a:latin typeface="Consolas" panose="020B0609020204030204" pitchFamily="49" charset="0"/>
+              </a:rPr>
+              <a:t>NaNs</a:t>
+            </a:r>
+            <a:r>
+              <a:rPr lang="en-GB" b="0" dirty="0">
+                <a:solidFill>
+                  <a:srgbClr val="008000"/>
+                </a:solidFill>
+                <a:effectLst/>
+                <a:latin typeface="Consolas" panose="020B0609020204030204" pitchFamily="49" charset="0"/>
+              </a:rPr>
+              <a:t> using KNN Imputer</a:t>
+            </a:r>
+            <a:endParaRPr lang="en-GB" b="0" dirty="0">
+              <a:solidFill>
+                <a:srgbClr val="000000"/>
+              </a:solidFill>
+              <a:effectLst/>
+              <a:latin typeface="Consolas" panose="020B0609020204030204" pitchFamily="49" charset="0"/>
+            </a:endParaRPr>
+          </a:p>
+          <a:p>
+            <a:r>
+              <a:rPr lang="en-GB" b="0" dirty="0" err="1">
+                <a:solidFill>
+                  <a:srgbClr val="000000"/>
+                </a:solidFill>
+                <a:effectLst/>
+                <a:latin typeface="Consolas" panose="020B0609020204030204" pitchFamily="49" charset="0"/>
+              </a:rPr>
+              <a:t>numerical_cols</a:t>
+            </a:r>
+            <a:r>
+              <a:rPr lang="en-GB" b="0" dirty="0">
+                <a:solidFill>
+                  <a:srgbClr val="000000"/>
+                </a:solidFill>
+                <a:effectLst/>
+                <a:latin typeface="Consolas" panose="020B0609020204030204" pitchFamily="49" charset="0"/>
+              </a:rPr>
+              <a:t> = [</a:t>
+            </a:r>
+            <a:r>
+              <a:rPr lang="en-GB" b="0" dirty="0">
+                <a:solidFill>
+                  <a:srgbClr val="A31515"/>
+                </a:solidFill>
+                <a:effectLst/>
+                <a:latin typeface="Consolas" panose="020B0609020204030204" pitchFamily="49" charset="0"/>
+              </a:rPr>
+              <a:t>'</a:t>
+            </a:r>
+            <a:r>
+              <a:rPr lang="en-GB" b="0" dirty="0" err="1">
+                <a:solidFill>
+                  <a:srgbClr val="A31515"/>
+                </a:solidFill>
+                <a:effectLst/>
+                <a:latin typeface="Consolas" panose="020B0609020204030204" pitchFamily="49" charset="0"/>
+              </a:rPr>
+              <a:t>Temperatur</a:t>
+            </a:r>
+            <a:r>
+              <a:rPr lang="en-GB" b="0" dirty="0">
+                <a:solidFill>
+                  <a:srgbClr val="A31515"/>
+                </a:solidFill>
+                <a:effectLst/>
+                <a:latin typeface="Consolas" panose="020B0609020204030204" pitchFamily="49" charset="0"/>
+              </a:rPr>
+              <a:t>'</a:t>
+            </a:r>
+            <a:r>
+              <a:rPr lang="en-GB" b="0" dirty="0">
+                <a:solidFill>
+                  <a:srgbClr val="000000"/>
+                </a:solidFill>
+                <a:effectLst/>
+                <a:latin typeface="Consolas" panose="020B0609020204030204" pitchFamily="49" charset="0"/>
+              </a:rPr>
+              <a:t>, </a:t>
+            </a:r>
+            <a:r>
+              <a:rPr lang="en-GB" b="0" dirty="0">
+                <a:solidFill>
+                  <a:srgbClr val="A31515"/>
+                </a:solidFill>
+                <a:effectLst/>
+                <a:latin typeface="Consolas" panose="020B0609020204030204" pitchFamily="49" charset="0"/>
+              </a:rPr>
+              <a:t>'</a:t>
+            </a:r>
+            <a:r>
+              <a:rPr lang="en-GB" b="0" dirty="0" err="1">
+                <a:solidFill>
+                  <a:srgbClr val="A31515"/>
+                </a:solidFill>
+                <a:effectLst/>
+                <a:latin typeface="Consolas" panose="020B0609020204030204" pitchFamily="49" charset="0"/>
+              </a:rPr>
+              <a:t>Windgeschwindigkeit</a:t>
+            </a:r>
+            <a:r>
+              <a:rPr lang="en-GB" b="0" dirty="0">
+                <a:solidFill>
+                  <a:srgbClr val="A31515"/>
+                </a:solidFill>
+                <a:effectLst/>
+                <a:latin typeface="Consolas" panose="020B0609020204030204" pitchFamily="49" charset="0"/>
+              </a:rPr>
+              <a:t>'</a:t>
+            </a:r>
+            <a:r>
+              <a:rPr lang="en-GB" b="0" dirty="0">
+                <a:solidFill>
+                  <a:srgbClr val="000000"/>
+                </a:solidFill>
+                <a:effectLst/>
+                <a:latin typeface="Consolas" panose="020B0609020204030204" pitchFamily="49" charset="0"/>
+              </a:rPr>
+              <a:t>, </a:t>
+            </a:r>
+            <a:r>
+              <a:rPr lang="en-GB" b="0" dirty="0">
+                <a:solidFill>
+                  <a:srgbClr val="A31515"/>
+                </a:solidFill>
+                <a:effectLst/>
+                <a:latin typeface="Consolas" panose="020B0609020204030204" pitchFamily="49" charset="0"/>
+              </a:rPr>
+              <a:t>'</a:t>
+            </a:r>
+            <a:r>
+              <a:rPr lang="en-GB" b="0" dirty="0" err="1">
+                <a:solidFill>
+                  <a:srgbClr val="A31515"/>
+                </a:solidFill>
+                <a:effectLst/>
+                <a:latin typeface="Consolas" panose="020B0609020204030204" pitchFamily="49" charset="0"/>
+              </a:rPr>
+              <a:t>Bewoelkung</a:t>
+            </a:r>
+            <a:r>
+              <a:rPr lang="en-GB" b="0" dirty="0">
+                <a:solidFill>
+                  <a:srgbClr val="A31515"/>
+                </a:solidFill>
+                <a:effectLst/>
+                <a:latin typeface="Consolas" panose="020B0609020204030204" pitchFamily="49" charset="0"/>
+              </a:rPr>
+              <a:t>'</a:t>
+            </a:r>
+            <a:r>
+              <a:rPr lang="en-GB" b="0" dirty="0">
+                <a:solidFill>
+                  <a:srgbClr val="000000"/>
+                </a:solidFill>
+                <a:effectLst/>
+                <a:latin typeface="Consolas" panose="020B0609020204030204" pitchFamily="49" charset="0"/>
+              </a:rPr>
+              <a:t>, </a:t>
+            </a:r>
+            <a:r>
+              <a:rPr lang="en-GB" b="0" dirty="0">
+                <a:solidFill>
+                  <a:srgbClr val="A31515"/>
+                </a:solidFill>
+                <a:effectLst/>
+                <a:latin typeface="Consolas" panose="020B0609020204030204" pitchFamily="49" charset="0"/>
+              </a:rPr>
+              <a:t>'</a:t>
+            </a:r>
+            <a:r>
+              <a:rPr lang="en-GB" b="0" dirty="0" err="1">
+                <a:solidFill>
+                  <a:srgbClr val="A31515"/>
+                </a:solidFill>
+                <a:effectLst/>
+                <a:latin typeface="Consolas" panose="020B0609020204030204" pitchFamily="49" charset="0"/>
+              </a:rPr>
+              <a:t>Wettercode</a:t>
+            </a:r>
+            <a:r>
+              <a:rPr lang="en-GB" b="0" dirty="0">
+                <a:solidFill>
+                  <a:srgbClr val="A31515"/>
+                </a:solidFill>
+                <a:effectLst/>
+                <a:latin typeface="Consolas" panose="020B0609020204030204" pitchFamily="49" charset="0"/>
+              </a:rPr>
+              <a:t>'</a:t>
+            </a:r>
+            <a:r>
+              <a:rPr lang="en-GB" b="0" dirty="0">
+                <a:solidFill>
+                  <a:srgbClr val="000000"/>
+                </a:solidFill>
+                <a:effectLst/>
+                <a:latin typeface="Consolas" panose="020B0609020204030204" pitchFamily="49" charset="0"/>
+              </a:rPr>
+              <a:t>, </a:t>
+            </a:r>
+            <a:r>
+              <a:rPr lang="en-GB" b="0" dirty="0">
+                <a:solidFill>
+                  <a:srgbClr val="A31515"/>
+                </a:solidFill>
+                <a:effectLst/>
+                <a:latin typeface="Consolas" panose="020B0609020204030204" pitchFamily="49" charset="0"/>
+              </a:rPr>
+              <a:t>'</a:t>
+            </a:r>
+            <a:r>
+              <a:rPr lang="en-GB" b="0" dirty="0" err="1">
+                <a:solidFill>
+                  <a:srgbClr val="A31515"/>
+                </a:solidFill>
+                <a:effectLst/>
+                <a:latin typeface="Consolas" panose="020B0609020204030204" pitchFamily="49" charset="0"/>
+              </a:rPr>
+              <a:t>IsWeekend</a:t>
+            </a:r>
+            <a:r>
+              <a:rPr lang="en-GB" b="0" dirty="0">
+                <a:solidFill>
+                  <a:srgbClr val="A31515"/>
+                </a:solidFill>
+                <a:effectLst/>
+                <a:latin typeface="Consolas" panose="020B0609020204030204" pitchFamily="49" charset="0"/>
+              </a:rPr>
+              <a:t>'</a:t>
+            </a:r>
+            <a:r>
+              <a:rPr lang="en-GB" b="0" dirty="0">
+                <a:solidFill>
+                  <a:srgbClr val="000000"/>
+                </a:solidFill>
+                <a:effectLst/>
+                <a:latin typeface="Consolas" panose="020B0609020204030204" pitchFamily="49" charset="0"/>
+              </a:rPr>
+              <a:t>]</a:t>
+            </a:r>
+          </a:p>
+          <a:p>
+            <a:r>
+              <a:rPr lang="en-GB" b="0" dirty="0" err="1">
+                <a:solidFill>
+                  <a:srgbClr val="000000"/>
+                </a:solidFill>
+                <a:effectLst/>
+                <a:latin typeface="Consolas" panose="020B0609020204030204" pitchFamily="49" charset="0"/>
+              </a:rPr>
+              <a:t>knn_imputer</a:t>
+            </a:r>
+            <a:r>
+              <a:rPr lang="en-GB" b="0" dirty="0">
+                <a:solidFill>
+                  <a:srgbClr val="000000"/>
+                </a:solidFill>
+                <a:effectLst/>
+                <a:latin typeface="Consolas" panose="020B0609020204030204" pitchFamily="49" charset="0"/>
+              </a:rPr>
+              <a:t> = </a:t>
+            </a:r>
+            <a:r>
+              <a:rPr lang="en-GB" b="0" dirty="0" err="1">
+                <a:solidFill>
+                  <a:srgbClr val="000000"/>
+                </a:solidFill>
+                <a:effectLst/>
+                <a:latin typeface="Consolas" panose="020B0609020204030204" pitchFamily="49" charset="0"/>
+              </a:rPr>
+              <a:t>KNNImputer</a:t>
+            </a:r>
+            <a:r>
+              <a:rPr lang="en-GB" b="0" dirty="0">
+                <a:solidFill>
+                  <a:srgbClr val="000000"/>
+                </a:solidFill>
+                <a:effectLst/>
+                <a:latin typeface="Consolas" panose="020B0609020204030204" pitchFamily="49" charset="0"/>
+              </a:rPr>
+              <a:t>(</a:t>
+            </a:r>
+            <a:r>
+              <a:rPr lang="en-GB" b="0" dirty="0" err="1">
+                <a:solidFill>
+                  <a:srgbClr val="000000"/>
+                </a:solidFill>
+                <a:effectLst/>
+                <a:latin typeface="Consolas" panose="020B0609020204030204" pitchFamily="49" charset="0"/>
+              </a:rPr>
+              <a:t>n_neighbors</a:t>
+            </a:r>
+            <a:r>
+              <a:rPr lang="en-GB" b="0" dirty="0">
+                <a:solidFill>
+                  <a:srgbClr val="000000"/>
+                </a:solidFill>
+                <a:effectLst/>
+                <a:latin typeface="Consolas" panose="020B0609020204030204" pitchFamily="49" charset="0"/>
+              </a:rPr>
+              <a:t>=</a:t>
+            </a:r>
+            <a:r>
+              <a:rPr lang="en-GB" b="0" dirty="0">
+                <a:solidFill>
+                  <a:srgbClr val="098658"/>
+                </a:solidFill>
+                <a:effectLst/>
+                <a:latin typeface="Consolas" panose="020B0609020204030204" pitchFamily="49" charset="0"/>
+              </a:rPr>
+              <a:t>5</a:t>
+            </a:r>
+            <a:r>
+              <a:rPr lang="en-GB" b="0" dirty="0">
+                <a:solidFill>
+                  <a:srgbClr val="000000"/>
+                </a:solidFill>
+                <a:effectLst/>
+                <a:latin typeface="Consolas" panose="020B0609020204030204" pitchFamily="49" charset="0"/>
+              </a:rPr>
+              <a:t>)</a:t>
+            </a:r>
+          </a:p>
+          <a:p>
+            <a:r>
+              <a:rPr lang="en-GB" b="0" dirty="0">
+                <a:solidFill>
+                  <a:srgbClr val="000000"/>
+                </a:solidFill>
+                <a:effectLst/>
+                <a:latin typeface="Consolas" panose="020B0609020204030204" pitchFamily="49" charset="0"/>
+              </a:rPr>
+              <a:t>data[</a:t>
+            </a:r>
+            <a:r>
+              <a:rPr lang="en-GB" b="0" dirty="0" err="1">
+                <a:solidFill>
+                  <a:srgbClr val="000000"/>
+                </a:solidFill>
+                <a:effectLst/>
+                <a:latin typeface="Consolas" panose="020B0609020204030204" pitchFamily="49" charset="0"/>
+              </a:rPr>
+              <a:t>numerical_cols</a:t>
+            </a:r>
+            <a:r>
+              <a:rPr lang="en-GB" b="0" dirty="0">
+                <a:solidFill>
+                  <a:srgbClr val="000000"/>
+                </a:solidFill>
+                <a:effectLst/>
+                <a:latin typeface="Consolas" panose="020B0609020204030204" pitchFamily="49" charset="0"/>
+              </a:rPr>
+              <a:t>] = </a:t>
+            </a:r>
+            <a:r>
+              <a:rPr lang="en-GB" b="0" dirty="0" err="1">
+                <a:solidFill>
+                  <a:srgbClr val="000000"/>
+                </a:solidFill>
+                <a:effectLst/>
+                <a:latin typeface="Consolas" panose="020B0609020204030204" pitchFamily="49" charset="0"/>
+              </a:rPr>
+              <a:t>knn_imputer.fit_transform</a:t>
+            </a:r>
+            <a:r>
+              <a:rPr lang="en-GB" b="0" dirty="0">
+                <a:solidFill>
+                  <a:srgbClr val="000000"/>
+                </a:solidFill>
+                <a:effectLst/>
+                <a:latin typeface="Consolas" panose="020B0609020204030204" pitchFamily="49" charset="0"/>
+              </a:rPr>
+              <a:t>(data[</a:t>
+            </a:r>
+            <a:r>
+              <a:rPr lang="en-GB" b="0" dirty="0" err="1">
+                <a:solidFill>
+                  <a:srgbClr val="000000"/>
+                </a:solidFill>
+                <a:effectLst/>
+                <a:latin typeface="Consolas" panose="020B0609020204030204" pitchFamily="49" charset="0"/>
+              </a:rPr>
+              <a:t>numerical_cols</a:t>
+            </a:r>
+            <a:r>
+              <a:rPr lang="en-GB" b="0" dirty="0">
+                <a:solidFill>
+                  <a:srgbClr val="000000"/>
+                </a:solidFill>
+                <a:effectLst/>
+                <a:latin typeface="Consolas" panose="020B0609020204030204" pitchFamily="49" charset="0"/>
+              </a:rPr>
+              <a:t>])</a:t>
+            </a:r>
           </a:p>
         </p:txBody>
       </p:sp>
